--- a/DatabaseAndDatawarehouse.pptx
+++ b/DatabaseAndDatawarehouse.pptx
@@ -6,8 +6,10 @@
   </p:sldMasterIdLst>
   <p:sldIdLst>
     <p:sldId id="256" r:id="rId2"/>
-    <p:sldId id="257" r:id="rId3"/>
-    <p:sldId id="258" r:id="rId4"/>
+    <p:sldId id="261" r:id="rId3"/>
+    <p:sldId id="257" r:id="rId4"/>
+    <p:sldId id="258" r:id="rId5"/>
+    <p:sldId id="259" r:id="rId6"/>
   </p:sldIdLst>
   <p:sldSz cx="12192000" cy="6858000"/>
   <p:notesSz cx="6858000" cy="9144000"/>
@@ -106,6 +108,11 @@
       </a:defRPr>
     </a:lvl9pPr>
   </p:defaultTextStyle>
+  <p:extLst>
+    <p:ext uri="{EFAFB233-063F-42B5-8137-9DF3F51BA10A}">
+      <p15:sldGuideLst xmlns:p15="http://schemas.microsoft.com/office/powerpoint/2012/main"/>
+    </p:ext>
+  </p:extLst>
 </p:presentation>
 </file>
 
@@ -256,7 +263,7 @@
           <a:p>
             <a:fld id="{9F7C8A76-625B-428B-AE51-FFFD548E750B}" type="datetimeFigureOut">
               <a:rPr lang="en-US" smtClean="0"/>
-              <a:t>7/15/2025</a:t>
+              <a:t>7/18/2025</a:t>
             </a:fld>
             <a:endParaRPr lang="en-US"/>
           </a:p>
@@ -454,7 +461,7 @@
           <a:p>
             <a:fld id="{9F7C8A76-625B-428B-AE51-FFFD548E750B}" type="datetimeFigureOut">
               <a:rPr lang="en-US" smtClean="0"/>
-              <a:t>7/15/2025</a:t>
+              <a:t>7/18/2025</a:t>
             </a:fld>
             <a:endParaRPr lang="en-US"/>
           </a:p>
@@ -662,7 +669,7 @@
           <a:p>
             <a:fld id="{9F7C8A76-625B-428B-AE51-FFFD548E750B}" type="datetimeFigureOut">
               <a:rPr lang="en-US" smtClean="0"/>
-              <a:t>7/15/2025</a:t>
+              <a:t>7/18/2025</a:t>
             </a:fld>
             <a:endParaRPr lang="en-US"/>
           </a:p>
@@ -860,7 +867,7 @@
           <a:p>
             <a:fld id="{9F7C8A76-625B-428B-AE51-FFFD548E750B}" type="datetimeFigureOut">
               <a:rPr lang="en-US" smtClean="0"/>
-              <a:t>7/15/2025</a:t>
+              <a:t>7/18/2025</a:t>
             </a:fld>
             <a:endParaRPr lang="en-US"/>
           </a:p>
@@ -1135,7 +1142,7 @@
           <a:p>
             <a:fld id="{9F7C8A76-625B-428B-AE51-FFFD548E750B}" type="datetimeFigureOut">
               <a:rPr lang="en-US" smtClean="0"/>
-              <a:t>7/15/2025</a:t>
+              <a:t>7/18/2025</a:t>
             </a:fld>
             <a:endParaRPr lang="en-US"/>
           </a:p>
@@ -1400,7 +1407,7 @@
           <a:p>
             <a:fld id="{9F7C8A76-625B-428B-AE51-FFFD548E750B}" type="datetimeFigureOut">
               <a:rPr lang="en-US" smtClean="0"/>
-              <a:t>7/15/2025</a:t>
+              <a:t>7/18/2025</a:t>
             </a:fld>
             <a:endParaRPr lang="en-US"/>
           </a:p>
@@ -1812,7 +1819,7 @@
           <a:p>
             <a:fld id="{9F7C8A76-625B-428B-AE51-FFFD548E750B}" type="datetimeFigureOut">
               <a:rPr lang="en-US" smtClean="0"/>
-              <a:t>7/15/2025</a:t>
+              <a:t>7/18/2025</a:t>
             </a:fld>
             <a:endParaRPr lang="en-US"/>
           </a:p>
@@ -1953,7 +1960,7 @@
           <a:p>
             <a:fld id="{9F7C8A76-625B-428B-AE51-FFFD548E750B}" type="datetimeFigureOut">
               <a:rPr lang="en-US" smtClean="0"/>
-              <a:t>7/15/2025</a:t>
+              <a:t>7/18/2025</a:t>
             </a:fld>
             <a:endParaRPr lang="en-US"/>
           </a:p>
@@ -2066,7 +2073,7 @@
           <a:p>
             <a:fld id="{9F7C8A76-625B-428B-AE51-FFFD548E750B}" type="datetimeFigureOut">
               <a:rPr lang="en-US" smtClean="0"/>
-              <a:t>7/15/2025</a:t>
+              <a:t>7/18/2025</a:t>
             </a:fld>
             <a:endParaRPr lang="en-US"/>
           </a:p>
@@ -2377,7 +2384,7 @@
           <a:p>
             <a:fld id="{9F7C8A76-625B-428B-AE51-FFFD548E750B}" type="datetimeFigureOut">
               <a:rPr lang="en-US" smtClean="0"/>
-              <a:t>7/15/2025</a:t>
+              <a:t>7/18/2025</a:t>
             </a:fld>
             <a:endParaRPr lang="en-US"/>
           </a:p>
@@ -2665,7 +2672,7 @@
           <a:p>
             <a:fld id="{9F7C8A76-625B-428B-AE51-FFFD548E750B}" type="datetimeFigureOut">
               <a:rPr lang="en-US" smtClean="0"/>
-              <a:t>7/15/2025</a:t>
+              <a:t>7/18/2025</a:t>
             </a:fld>
             <a:endParaRPr lang="en-US"/>
           </a:p>
@@ -2906,7 +2913,7 @@
           <a:p>
             <a:fld id="{9F7C8A76-625B-428B-AE51-FFFD548E750B}" type="datetimeFigureOut">
               <a:rPr lang="en-US" smtClean="0"/>
-              <a:t>7/15/2025</a:t>
+              <a:t>7/18/2025</a:t>
             </a:fld>
             <a:endParaRPr lang="en-US"/>
           </a:p>
@@ -3428,6 +3435,116 @@
           <a:chExt cx="0" cy="0"/>
         </a:xfrm>
       </p:grpSpPr>
+      <p:sp>
+        <p:nvSpPr>
+          <p:cNvPr id="2" name="Title 1">
+            <a:extLst>
+              <a:ext uri="{FF2B5EF4-FFF2-40B4-BE49-F238E27FC236}">
+                <a16:creationId xmlns:a16="http://schemas.microsoft.com/office/drawing/2014/main" id="{B2BD2A4D-757A-037B-F245-F95BDE4D4E29}"/>
+              </a:ext>
+            </a:extLst>
+          </p:cNvPr>
+          <p:cNvSpPr>
+            <a:spLocks noGrp="1"/>
+          </p:cNvSpPr>
+          <p:nvPr>
+            <p:ph type="title"/>
+          </p:nvPr>
+        </p:nvSpPr>
+        <p:spPr/>
+        <p:txBody>
+          <a:bodyPr/>
+          <a:lstStyle/>
+          <a:p>
+            <a:endParaRPr lang="en-US"/>
+          </a:p>
+        </p:txBody>
+      </p:sp>
+      <p:sp>
+        <p:nvSpPr>
+          <p:cNvPr id="3" name="Content Placeholder 2">
+            <a:extLst>
+              <a:ext uri="{FF2B5EF4-FFF2-40B4-BE49-F238E27FC236}">
+                <a16:creationId xmlns:a16="http://schemas.microsoft.com/office/drawing/2014/main" id="{2811E247-9F43-923C-E839-EAE56BC69575}"/>
+              </a:ext>
+            </a:extLst>
+          </p:cNvPr>
+          <p:cNvSpPr>
+            <a:spLocks noGrp="1"/>
+          </p:cNvSpPr>
+          <p:nvPr>
+            <p:ph idx="1"/>
+          </p:nvPr>
+        </p:nvSpPr>
+        <p:spPr/>
+        <p:txBody>
+          <a:bodyPr/>
+          <a:lstStyle/>
+          <a:p>
+            <a:endParaRPr lang="en-US"/>
+          </a:p>
+        </p:txBody>
+      </p:sp>
+      <p:pic>
+        <p:nvPicPr>
+          <p:cNvPr id="5" name="Picture 4">
+            <a:extLst>
+              <a:ext uri="{FF2B5EF4-FFF2-40B4-BE49-F238E27FC236}">
+                <a16:creationId xmlns:a16="http://schemas.microsoft.com/office/drawing/2014/main" id="{E40C5647-64C3-CAF3-267A-A36F6590109C}"/>
+              </a:ext>
+            </a:extLst>
+          </p:cNvPr>
+          <p:cNvPicPr>
+            <a:picLocks noChangeAspect="1"/>
+          </p:cNvPicPr>
+          <p:nvPr/>
+        </p:nvPicPr>
+        <p:blipFill>
+          <a:blip r:embed="rId2"/>
+          <a:stretch>
+            <a:fillRect/>
+          </a:stretch>
+        </p:blipFill>
+        <p:spPr>
+          <a:xfrm>
+            <a:off x="0" y="1673"/>
+            <a:ext cx="12192000" cy="6854653"/>
+          </a:xfrm>
+          <a:prstGeom prst="rect">
+            <a:avLst/>
+          </a:prstGeom>
+        </p:spPr>
+      </p:pic>
+    </p:spTree>
+    <p:extLst>
+      <p:ext uri="{BB962C8B-B14F-4D97-AF65-F5344CB8AC3E}">
+        <p14:creationId xmlns:p14="http://schemas.microsoft.com/office/powerpoint/2010/main" val="430640367"/>
+      </p:ext>
+    </p:extLst>
+  </p:cSld>
+  <p:clrMapOvr>
+    <a:masterClrMapping/>
+  </p:clrMapOvr>
+</p:sld>
+</file>
+
+<file path=ppt/slides/slide3.xml><?xml version="1.0" encoding="utf-8"?>
+<p:sld xmlns:a="http://schemas.openxmlformats.org/drawingml/2006/main" xmlns:r="http://schemas.openxmlformats.org/officeDocument/2006/relationships" xmlns:p="http://schemas.openxmlformats.org/presentationml/2006/main">
+  <p:cSld>
+    <p:spTree>
+      <p:nvGrpSpPr>
+        <p:cNvPr id="1" name=""/>
+        <p:cNvGrpSpPr/>
+        <p:nvPr/>
+      </p:nvGrpSpPr>
+      <p:grpSpPr>
+        <a:xfrm>
+          <a:off x="0" y="0"/>
+          <a:ext cx="0" cy="0"/>
+          <a:chOff x="0" y="0"/>
+          <a:chExt cx="0" cy="0"/>
+        </a:xfrm>
+      </p:grpSpPr>
       <p:pic>
         <p:nvPicPr>
           <p:cNvPr id="7" name="Picture 6">
@@ -3471,7 +3588,7 @@
 </p:sld>
 </file>
 
-<file path=ppt/slides/slide3.xml><?xml version="1.0" encoding="utf-8"?>
+<file path=ppt/slides/slide4.xml><?xml version="1.0" encoding="utf-8"?>
 <p:sld xmlns:a="http://schemas.openxmlformats.org/drawingml/2006/main" xmlns:r="http://schemas.openxmlformats.org/officeDocument/2006/relationships" xmlns:p="http://schemas.openxmlformats.org/presentationml/2006/main">
   <p:cSld>
     <p:spTree>
@@ -3522,6 +3639,116 @@
     <p:extLst>
       <p:ext uri="{BB962C8B-B14F-4D97-AF65-F5344CB8AC3E}">
         <p14:creationId xmlns:p14="http://schemas.microsoft.com/office/powerpoint/2010/main" val="199937678"/>
+      </p:ext>
+    </p:extLst>
+  </p:cSld>
+  <p:clrMapOvr>
+    <a:masterClrMapping/>
+  </p:clrMapOvr>
+</p:sld>
+</file>
+
+<file path=ppt/slides/slide5.xml><?xml version="1.0" encoding="utf-8"?>
+<p:sld xmlns:a="http://schemas.openxmlformats.org/drawingml/2006/main" xmlns:r="http://schemas.openxmlformats.org/officeDocument/2006/relationships" xmlns:p="http://schemas.openxmlformats.org/presentationml/2006/main">
+  <p:cSld>
+    <p:spTree>
+      <p:nvGrpSpPr>
+        <p:cNvPr id="1" name=""/>
+        <p:cNvGrpSpPr/>
+        <p:nvPr/>
+      </p:nvGrpSpPr>
+      <p:grpSpPr>
+        <a:xfrm>
+          <a:off x="0" y="0"/>
+          <a:ext cx="0" cy="0"/>
+          <a:chOff x="0" y="0"/>
+          <a:chExt cx="0" cy="0"/>
+        </a:xfrm>
+      </p:grpSpPr>
+      <p:sp>
+        <p:nvSpPr>
+          <p:cNvPr id="2" name="Title 1">
+            <a:extLst>
+              <a:ext uri="{FF2B5EF4-FFF2-40B4-BE49-F238E27FC236}">
+                <a16:creationId xmlns:a16="http://schemas.microsoft.com/office/drawing/2014/main" id="{8CA8A6F4-6594-CDA1-6779-BB9FEC8EBB15}"/>
+              </a:ext>
+            </a:extLst>
+          </p:cNvPr>
+          <p:cNvSpPr>
+            <a:spLocks noGrp="1"/>
+          </p:cNvSpPr>
+          <p:nvPr>
+            <p:ph type="title"/>
+          </p:nvPr>
+        </p:nvSpPr>
+        <p:spPr/>
+        <p:txBody>
+          <a:bodyPr/>
+          <a:lstStyle/>
+          <a:p>
+            <a:endParaRPr lang="en-US"/>
+          </a:p>
+        </p:txBody>
+      </p:sp>
+      <p:sp>
+        <p:nvSpPr>
+          <p:cNvPr id="3" name="Content Placeholder 2">
+            <a:extLst>
+              <a:ext uri="{FF2B5EF4-FFF2-40B4-BE49-F238E27FC236}">
+                <a16:creationId xmlns:a16="http://schemas.microsoft.com/office/drawing/2014/main" id="{1CDD813A-46AB-7726-2193-A06081437C14}"/>
+              </a:ext>
+            </a:extLst>
+          </p:cNvPr>
+          <p:cNvSpPr>
+            <a:spLocks noGrp="1"/>
+          </p:cNvSpPr>
+          <p:nvPr>
+            <p:ph idx="1"/>
+          </p:nvPr>
+        </p:nvSpPr>
+        <p:spPr/>
+        <p:txBody>
+          <a:bodyPr/>
+          <a:lstStyle/>
+          <a:p>
+            <a:endParaRPr lang="en-US"/>
+          </a:p>
+        </p:txBody>
+      </p:sp>
+      <p:pic>
+        <p:nvPicPr>
+          <p:cNvPr id="5" name="Picture 4">
+            <a:extLst>
+              <a:ext uri="{FF2B5EF4-FFF2-40B4-BE49-F238E27FC236}">
+                <a16:creationId xmlns:a16="http://schemas.microsoft.com/office/drawing/2014/main" id="{8858F865-0AA8-ED8B-A272-36C5FC4A19BA}"/>
+              </a:ext>
+            </a:extLst>
+          </p:cNvPr>
+          <p:cNvPicPr>
+            <a:picLocks noChangeAspect="1"/>
+          </p:cNvPicPr>
+          <p:nvPr/>
+        </p:nvPicPr>
+        <p:blipFill>
+          <a:blip r:embed="rId2"/>
+          <a:stretch>
+            <a:fillRect/>
+          </a:stretch>
+        </p:blipFill>
+        <p:spPr>
+          <a:xfrm>
+            <a:off x="0" y="1673"/>
+            <a:ext cx="12192000" cy="6854653"/>
+          </a:xfrm>
+          <a:prstGeom prst="rect">
+            <a:avLst/>
+          </a:prstGeom>
+        </p:spPr>
+      </p:pic>
+    </p:spTree>
+    <p:extLst>
+      <p:ext uri="{BB962C8B-B14F-4D97-AF65-F5344CB8AC3E}">
+        <p14:creationId xmlns:p14="http://schemas.microsoft.com/office/powerpoint/2010/main" val="1144409006"/>
       </p:ext>
     </p:extLst>
   </p:cSld>

--- a/DatabaseAndDatawarehouse.pptx
+++ b/DatabaseAndDatawarehouse.pptx
@@ -10,6 +10,7 @@
     <p:sldId id="257" r:id="rId4"/>
     <p:sldId id="258" r:id="rId5"/>
     <p:sldId id="259" r:id="rId6"/>
+    <p:sldId id="262" r:id="rId7"/>
   </p:sldIdLst>
   <p:sldSz cx="12192000" cy="6858000"/>
   <p:notesSz cx="6858000" cy="9144000"/>
@@ -263,7 +264,7 @@
           <a:p>
             <a:fld id="{9F7C8A76-625B-428B-AE51-FFFD548E750B}" type="datetimeFigureOut">
               <a:rPr lang="en-US" smtClean="0"/>
-              <a:t>7/18/2025</a:t>
+              <a:t>8/1/2025</a:t>
             </a:fld>
             <a:endParaRPr lang="en-US"/>
           </a:p>
@@ -461,7 +462,7 @@
           <a:p>
             <a:fld id="{9F7C8A76-625B-428B-AE51-FFFD548E750B}" type="datetimeFigureOut">
               <a:rPr lang="en-US" smtClean="0"/>
-              <a:t>7/18/2025</a:t>
+              <a:t>8/1/2025</a:t>
             </a:fld>
             <a:endParaRPr lang="en-US"/>
           </a:p>
@@ -669,7 +670,7 @@
           <a:p>
             <a:fld id="{9F7C8A76-625B-428B-AE51-FFFD548E750B}" type="datetimeFigureOut">
               <a:rPr lang="en-US" smtClean="0"/>
-              <a:t>7/18/2025</a:t>
+              <a:t>8/1/2025</a:t>
             </a:fld>
             <a:endParaRPr lang="en-US"/>
           </a:p>
@@ -867,7 +868,7 @@
           <a:p>
             <a:fld id="{9F7C8A76-625B-428B-AE51-FFFD548E750B}" type="datetimeFigureOut">
               <a:rPr lang="en-US" smtClean="0"/>
-              <a:t>7/18/2025</a:t>
+              <a:t>8/1/2025</a:t>
             </a:fld>
             <a:endParaRPr lang="en-US"/>
           </a:p>
@@ -1142,7 +1143,7 @@
           <a:p>
             <a:fld id="{9F7C8A76-625B-428B-AE51-FFFD548E750B}" type="datetimeFigureOut">
               <a:rPr lang="en-US" smtClean="0"/>
-              <a:t>7/18/2025</a:t>
+              <a:t>8/1/2025</a:t>
             </a:fld>
             <a:endParaRPr lang="en-US"/>
           </a:p>
@@ -1407,7 +1408,7 @@
           <a:p>
             <a:fld id="{9F7C8A76-625B-428B-AE51-FFFD548E750B}" type="datetimeFigureOut">
               <a:rPr lang="en-US" smtClean="0"/>
-              <a:t>7/18/2025</a:t>
+              <a:t>8/1/2025</a:t>
             </a:fld>
             <a:endParaRPr lang="en-US"/>
           </a:p>
@@ -1819,7 +1820,7 @@
           <a:p>
             <a:fld id="{9F7C8A76-625B-428B-AE51-FFFD548E750B}" type="datetimeFigureOut">
               <a:rPr lang="en-US" smtClean="0"/>
-              <a:t>7/18/2025</a:t>
+              <a:t>8/1/2025</a:t>
             </a:fld>
             <a:endParaRPr lang="en-US"/>
           </a:p>
@@ -1960,7 +1961,7 @@
           <a:p>
             <a:fld id="{9F7C8A76-625B-428B-AE51-FFFD548E750B}" type="datetimeFigureOut">
               <a:rPr lang="en-US" smtClean="0"/>
-              <a:t>7/18/2025</a:t>
+              <a:t>8/1/2025</a:t>
             </a:fld>
             <a:endParaRPr lang="en-US"/>
           </a:p>
@@ -2073,7 +2074,7 @@
           <a:p>
             <a:fld id="{9F7C8A76-625B-428B-AE51-FFFD548E750B}" type="datetimeFigureOut">
               <a:rPr lang="en-US" smtClean="0"/>
-              <a:t>7/18/2025</a:t>
+              <a:t>8/1/2025</a:t>
             </a:fld>
             <a:endParaRPr lang="en-US"/>
           </a:p>
@@ -2384,7 +2385,7 @@
           <a:p>
             <a:fld id="{9F7C8A76-625B-428B-AE51-FFFD548E750B}" type="datetimeFigureOut">
               <a:rPr lang="en-US" smtClean="0"/>
-              <a:t>7/18/2025</a:t>
+              <a:t>8/1/2025</a:t>
             </a:fld>
             <a:endParaRPr lang="en-US"/>
           </a:p>
@@ -2672,7 +2673,7 @@
           <a:p>
             <a:fld id="{9F7C8A76-625B-428B-AE51-FFFD548E750B}" type="datetimeFigureOut">
               <a:rPr lang="en-US" smtClean="0"/>
-              <a:t>7/18/2025</a:t>
+              <a:t>8/1/2025</a:t>
             </a:fld>
             <a:endParaRPr lang="en-US"/>
           </a:p>
@@ -2913,7 +2914,7 @@
           <a:p>
             <a:fld id="{9F7C8A76-625B-428B-AE51-FFFD548E750B}" type="datetimeFigureOut">
               <a:rPr lang="en-US" smtClean="0"/>
-              <a:t>7/18/2025</a:t>
+              <a:t>8/1/2025</a:t>
             </a:fld>
             <a:endParaRPr lang="en-US"/>
           </a:p>
@@ -3749,6 +3750,83 @@
     <p:extLst>
       <p:ext uri="{BB962C8B-B14F-4D97-AF65-F5344CB8AC3E}">
         <p14:creationId xmlns:p14="http://schemas.microsoft.com/office/powerpoint/2010/main" val="1144409006"/>
+      </p:ext>
+    </p:extLst>
+  </p:cSld>
+  <p:clrMapOvr>
+    <a:masterClrMapping/>
+  </p:clrMapOvr>
+</p:sld>
+</file>
+
+<file path=ppt/slides/slide6.xml><?xml version="1.0" encoding="utf-8"?>
+<p:sld xmlns:a="http://schemas.openxmlformats.org/drawingml/2006/main" xmlns:r="http://schemas.openxmlformats.org/officeDocument/2006/relationships" xmlns:p="http://schemas.openxmlformats.org/presentationml/2006/main">
+  <p:cSld>
+    <p:spTree>
+      <p:nvGrpSpPr>
+        <p:cNvPr id="1" name=""/>
+        <p:cNvGrpSpPr/>
+        <p:nvPr/>
+      </p:nvGrpSpPr>
+      <p:grpSpPr>
+        <a:xfrm>
+          <a:off x="0" y="0"/>
+          <a:ext cx="0" cy="0"/>
+          <a:chOff x="0" y="0"/>
+          <a:chExt cx="0" cy="0"/>
+        </a:xfrm>
+      </p:grpSpPr>
+      <p:pic>
+        <p:nvPicPr>
+          <p:cNvPr id="1026" name="Picture 2" descr="SQL cheatsheet Swapnakpanda">
+            <a:extLst>
+              <a:ext uri="{FF2B5EF4-FFF2-40B4-BE49-F238E27FC236}">
+                <a16:creationId xmlns:a16="http://schemas.microsoft.com/office/drawing/2014/main" id="{75F5424E-74B5-99FD-53B6-55A49EBBB7E6}"/>
+              </a:ext>
+            </a:extLst>
+          </p:cNvPr>
+          <p:cNvPicPr>
+            <a:picLocks noChangeAspect="1" noChangeArrowheads="1"/>
+          </p:cNvPicPr>
+          <p:nvPr/>
+        </p:nvPicPr>
+        <p:blipFill>
+          <a:blip r:embed="rId2">
+            <a:extLst>
+              <a:ext uri="{28A0092B-C50C-407E-A947-70E740481C1C}">
+                <a14:useLocalDpi xmlns:a14="http://schemas.microsoft.com/office/drawing/2010/main" val="0"/>
+              </a:ext>
+            </a:extLst>
+          </a:blip>
+          <a:srcRect/>
+          <a:stretch>
+            <a:fillRect/>
+          </a:stretch>
+        </p:blipFill>
+        <p:spPr bwMode="auto">
+          <a:xfrm>
+            <a:off x="2667000" y="0"/>
+            <a:ext cx="6858000" cy="6858000"/>
+          </a:xfrm>
+          <a:prstGeom prst="rect">
+            <a:avLst/>
+          </a:prstGeom>
+          <a:noFill/>
+          <a:extLst>
+            <a:ext uri="{909E8E84-426E-40DD-AFC4-6F175D3DCCD1}">
+              <a14:hiddenFill xmlns:a14="http://schemas.microsoft.com/office/drawing/2010/main">
+                <a:solidFill>
+                  <a:srgbClr val="FFFFFF"/>
+                </a:solidFill>
+              </a14:hiddenFill>
+            </a:ext>
+          </a:extLst>
+        </p:spPr>
+      </p:pic>
+    </p:spTree>
+    <p:extLst>
+      <p:ext uri="{BB962C8B-B14F-4D97-AF65-F5344CB8AC3E}">
+        <p14:creationId xmlns:p14="http://schemas.microsoft.com/office/powerpoint/2010/main" val="3960932838"/>
       </p:ext>
     </p:extLst>
   </p:cSld>
